--- a/slides/developer-guide/working-with-shapes/working-with-shapes-on-special-slides/working-with-paragraphs-on-a-special-slide/get-paragraph-properties-from-a-special-slide/MyPresentation.pptx
+++ b/slides/developer-guide/working-with-shapes/working-with-shapes-on-special-slides/working-with-paragraphs-on-a-special-slide/get-paragraph-properties-from-a-special-slide/MyPresentation.pptx
@@ -300,7 +300,7 @@
           <a:p>
             <a:fld id="{60EEB316-38BF-4E8F-9FE9-E4C90A259C5B}" type="datetimeFigureOut">
               <a:rPr lang="ru-RU" smtClean="0"/>
-              <a:t>04.04.2024</a:t>
+              <a:t>15.04.2024</a:t>
             </a:fld>
             <a:endParaRPr lang="ru-RU"/>
           </a:p>
@@ -541,7 +541,7 @@
           <a:p>
             <a:fld id="{60EEB316-38BF-4E8F-9FE9-E4C90A259C5B}" type="datetimeFigureOut">
               <a:rPr lang="ru-RU" smtClean="0"/>
-              <a:t>04.04.2024</a:t>
+              <a:t>15.04.2024</a:t>
             </a:fld>
             <a:endParaRPr lang="ru-RU"/>
           </a:p>
@@ -782,7 +782,7 @@
           <a:p>
             <a:fld id="{60EEB316-38BF-4E8F-9FE9-E4C90A259C5B}" type="datetimeFigureOut">
               <a:rPr lang="ru-RU" smtClean="0"/>
-              <a:t>04.04.2024</a:t>
+              <a:t>15.04.2024</a:t>
             </a:fld>
             <a:endParaRPr lang="ru-RU"/>
           </a:p>
@@ -1089,7 +1089,7 @@
           <a:p>
             <a:fld id="{60EEB316-38BF-4E8F-9FE9-E4C90A259C5B}" type="datetimeFigureOut">
               <a:rPr lang="ru-RU" smtClean="0"/>
-              <a:t>04.04.2024</a:t>
+              <a:t>15.04.2024</a:t>
             </a:fld>
             <a:endParaRPr lang="ru-RU"/>
           </a:p>
@@ -1396,7 +1396,7 @@
           <a:p>
             <a:fld id="{60EEB316-38BF-4E8F-9FE9-E4C90A259C5B}" type="datetimeFigureOut">
               <a:rPr lang="ru-RU" smtClean="0"/>
-              <a:t>04.04.2024</a:t>
+              <a:t>15.04.2024</a:t>
             </a:fld>
             <a:endParaRPr lang="ru-RU"/>
           </a:p>
@@ -1851,7 +1851,7 @@
           <a:p>
             <a:fld id="{60EEB316-38BF-4E8F-9FE9-E4C90A259C5B}" type="datetimeFigureOut">
               <a:rPr lang="ru-RU" smtClean="0"/>
-              <a:t>04.04.2024</a:t>
+              <a:t>15.04.2024</a:t>
             </a:fld>
             <a:endParaRPr lang="ru-RU"/>
           </a:p>
@@ -2026,7 +2026,7 @@
           <a:p>
             <a:fld id="{60EEB316-38BF-4E8F-9FE9-E4C90A259C5B}" type="datetimeFigureOut">
               <a:rPr lang="ru-RU" smtClean="0"/>
-              <a:t>04.04.2024</a:t>
+              <a:t>15.04.2024</a:t>
             </a:fld>
             <a:endParaRPr lang="ru-RU"/>
           </a:p>
@@ -2164,7 +2164,7 @@
           <a:p>
             <a:fld id="{60EEB316-38BF-4E8F-9FE9-E4C90A259C5B}" type="datetimeFigureOut">
               <a:rPr lang="ru-RU" smtClean="0"/>
-              <a:t>04.04.2024</a:t>
+              <a:t>15.04.2024</a:t>
             </a:fld>
             <a:endParaRPr lang="ru-RU"/>
           </a:p>
@@ -2511,7 +2511,7 @@
           <a:p>
             <a:fld id="{60EEB316-38BF-4E8F-9FE9-E4C90A259C5B}" type="datetimeFigureOut">
               <a:rPr lang="ru-RU" smtClean="0"/>
-              <a:t>04.04.2024</a:t>
+              <a:t>15.04.2024</a:t>
             </a:fld>
             <a:endParaRPr lang="ru-RU"/>
           </a:p>
@@ -2834,7 +2834,7 @@
           <a:p>
             <a:fld id="{60EEB316-38BF-4E8F-9FE9-E4C90A259C5B}" type="datetimeFigureOut">
               <a:rPr lang="ru-RU" smtClean="0"/>
-              <a:t>04.04.2024</a:t>
+              <a:t>15.04.2024</a:t>
             </a:fld>
             <a:endParaRPr lang="ru-RU"/>
           </a:p>
@@ -2997,7 +2997,7 @@
         <p:spPr>
           <a:xfrm>
             <a:off x="482960" y="1541540"/>
-            <a:ext cx="2943242" cy="923330"/>
+            <a:ext cx="3328876" cy="923330"/>
           </a:xfrm>
           <a:prstGeom prst="rect">
             <a:avLst/>
@@ -3005,7 +3005,7 @@
           <a:noFill/>
         </p:spPr>
         <p:txBody>
-          <a:bodyPr wrap="none" rtlCol="0">
+          <a:bodyPr wrap="square" rtlCol="0">
             <a:spAutoFit/>
           </a:bodyPr>
           <a:lstStyle/>
@@ -3018,10 +3018,11 @@
           <a:p>
             <a:r>
               <a:rPr lang="en-US" dirty="0"/>
-              <a:t>This in the second paragraph.</a:t>
-            </a:r>
-          </a:p>
-          <a:p>
+              <a:t>This is the second paragraph.</a:t>
+            </a:r>
+          </a:p>
+          <a:p>
+            <a:pPr algn="r"/>
             <a:r>
               <a:rPr lang="en-US" i="1" dirty="0"/>
               <a:t>This is the third paragraph.</a:t>
